--- a/SMEXonprem/Handouts/SMEX-B_10-Monitoring and troubleshooting Microsoft Exchange Server.pptx
+++ b/SMEXonprem/Handouts/SMEX-B_10-Monitoring and troubleshooting Microsoft Exchange Server.pptx
@@ -18013,8 +18013,8 @@
 </file>
 
 <file path=customXml/item1.xml><?xml version="1.0" encoding="utf-8"?>
-<ct:contentTypeSchema xmlns:ct="http://schemas.microsoft.com/office/2006/metadata/contentType" xmlns:ma="http://schemas.microsoft.com/office/2006/metadata/properties/metaAttributes" ct:_="" ma:_="" ma:contentTypeName="Dokument" ma:contentTypeID="0x010100ED6F75BC7090174AA980D673A413155B" ma:contentTypeVersion="15" ma:contentTypeDescription="Ein neues Dokument erstellen." ma:contentTypeScope="" ma:versionID="d01427b99216fbf38742d5d01c6b75bf">
-  <xsd:schema xmlns:xsd="http://www.w3.org/2001/XMLSchema" xmlns:xs="http://www.w3.org/2001/XMLSchema" xmlns:p="http://schemas.microsoft.com/office/2006/metadata/properties" xmlns:ns2="6e26bd3e-26a1-49ef-a711-f93878600d1b" xmlns:ns3="3b7c1a63-589f-43fc-8fe7-5d1c1c7abab8" targetNamespace="http://schemas.microsoft.com/office/2006/metadata/properties" ma:root="true" ma:fieldsID="5934c62b56485465954fd63a5b7a1828" ns2:_="" ns3:_="">
+<ct:contentTypeSchema xmlns:ct="http://schemas.microsoft.com/office/2006/metadata/contentType" xmlns:ma="http://schemas.microsoft.com/office/2006/metadata/properties/metaAttributes" ct:_="" ma:_="" ma:contentTypeName="Dokument" ma:contentTypeID="0x010100ED6F75BC7090174AA980D673A413155B" ma:contentTypeVersion="17" ma:contentTypeDescription="Ein neues Dokument erstellen." ma:contentTypeScope="" ma:versionID="d79b8df0974a88a32e0e6d1a937553f8">
+  <xsd:schema xmlns:xsd="http://www.w3.org/2001/XMLSchema" xmlns:xs="http://www.w3.org/2001/XMLSchema" xmlns:p="http://schemas.microsoft.com/office/2006/metadata/properties" xmlns:ns2="6e26bd3e-26a1-49ef-a711-f93878600d1b" xmlns:ns3="3b7c1a63-589f-43fc-8fe7-5d1c1c7abab8" targetNamespace="http://schemas.microsoft.com/office/2006/metadata/properties" ma:root="true" ma:fieldsID="607ef667033e2fcc1d49a25f9c3e70d4" ns2:_="" ns3:_="">
     <xsd:import namespace="6e26bd3e-26a1-49ef-a711-f93878600d1b"/>
     <xsd:import namespace="3b7c1a63-589f-43fc-8fe7-5d1c1c7abab8"/>
     <xsd:element name="properties">
@@ -18036,6 +18036,8 @@
                 <xsd:element ref="ns2:MediaLengthInSeconds" minOccurs="0"/>
                 <xsd:element ref="ns2:lcf76f155ced4ddcb4097134ff3c332f" minOccurs="0"/>
                 <xsd:element ref="ns3:TaxCatchAll" minOccurs="0"/>
+                <xsd:element ref="ns2:MediaServiceSearchProperties" minOccurs="0"/>
+                <xsd:element ref="ns2:MediaServiceObjectDetectorVersions" minOccurs="0"/>
               </xsd:all>
             </xsd:complexType>
           </xsd:element>
@@ -18101,6 +18103,16 @@
           <xsd:element ref="pc:Terms" minOccurs="0" maxOccurs="1"/>
         </xsd:sequence>
       </xsd:complexType>
+    </xsd:element>
+    <xsd:element name="MediaServiceSearchProperties" ma:index="22" nillable="true" ma:displayName="MediaServiceSearchProperties" ma:hidden="true" ma:internalName="MediaServiceSearchProperties" ma:readOnly="true">
+      <xsd:simpleType>
+        <xsd:restriction base="dms:Note"/>
+      </xsd:simpleType>
+    </xsd:element>
+    <xsd:element name="MediaServiceObjectDetectorVersions" ma:index="23" nillable="true" ma:displayName="MediaServiceObjectDetectorVersions" ma:hidden="true" ma:indexed="true" ma:internalName="MediaServiceObjectDetectorVersions" ma:readOnly="true">
+      <xsd:simpleType>
+        <xsd:restriction base="dms:Text"/>
+      </xsd:simpleType>
     </xsd:element>
   </xsd:schema>
   <xsd:schema xmlns:xsd="http://www.w3.org/2001/XMLSchema" xmlns:xs="http://www.w3.org/2001/XMLSchema" xmlns:dms="http://schemas.microsoft.com/office/2006/documentManagement/types" xmlns:pc="http://schemas.microsoft.com/office/infopath/2007/PartnerControls" targetNamespace="3b7c1a63-589f-43fc-8fe7-5d1c1c7abab8" elementFormDefault="qualified">
@@ -18264,7 +18276,7 @@
 </file>
 
 <file path=customXml/itemProps1.xml><?xml version="1.0" encoding="utf-8"?>
-<ds:datastoreItem xmlns:ds="http://schemas.openxmlformats.org/officeDocument/2006/customXml" ds:itemID="{771C4247-B659-4910-B39F-E354D5EA01E6}"/>
+<ds:datastoreItem xmlns:ds="http://schemas.openxmlformats.org/officeDocument/2006/customXml" ds:itemID="{90A60DAD-A8B0-468E-BF95-F0AC0ECFA0A8}"/>
 </file>
 
 <file path=customXml/itemProps2.xml><?xml version="1.0" encoding="utf-8"?>
